--- a/WORKSHOP GESTIONE/PresentazioneGeneraleGestione.pptx
+++ b/WORKSHOP GESTIONE/PresentazioneGeneraleGestione.pptx
@@ -17631,8 +17631,16 @@
           <a:p>
             <a:pPr algn="ctr"/>
             <a:r>
+              <a:rPr lang="it-IT" sz="4800" smtClean="0"/>
+              <a:t>CARE </a:t>
+            </a:r>
+            <a:r>
+              <a:rPr lang="it-IT" sz="4800" smtClean="0"/>
+              <a:t>YOUR </a:t>
+            </a:r>
+            <a:r>
               <a:rPr lang="it-IT" sz="4800" dirty="0" smtClean="0"/>
-              <a:t>CARE YOU HAIR</a:t>
+              <a:t>HAIR</a:t>
             </a:r>
             <a:endParaRPr lang="it-IT" sz="4800" dirty="0"/>
           </a:p>

--- a/WORKSHOP GESTIONE/PresentazioneGeneraleGestione.pptx
+++ b/WORKSHOP GESTIONE/PresentazioneGeneraleGestione.pptx
@@ -17632,11 +17632,7 @@
             <a:pPr algn="ctr"/>
             <a:r>
               <a:rPr lang="it-IT" sz="4800" smtClean="0"/>
-              <a:t>CARE </a:t>
-            </a:r>
-            <a:r>
-              <a:rPr lang="it-IT" sz="4800" smtClean="0"/>
-              <a:t>YOUR </a:t>
+              <a:t>CARE YOUR </a:t>
             </a:r>
             <a:r>
               <a:rPr lang="it-IT" sz="4800" dirty="0" smtClean="0"/>
@@ -18421,36 +18417,6 @@
       </p:grpSpPr>
       <p:pic>
         <p:nvPicPr>
-          <p:cNvPr id="5" name="Segnaposto immagine 4" descr="Untitled-1.jpg"/>
-          <p:cNvPicPr>
-            <a:picLocks noGrp="1" noChangeAspect="1"/>
-          </p:cNvPicPr>
-          <p:nvPr>
-            <p:ph type="pic" idx="1"/>
-          </p:nvPr>
-        </p:nvPicPr>
-        <p:blipFill>
-          <a:blip r:embed="rId2" cstate="print">
-            <a:extLst>
-              <a:ext uri="{28A0092B-C50C-407E-A947-70E740481C1C}">
-                <a14:useLocalDpi xmlns:a14="http://schemas.microsoft.com/office/drawing/2010/main" val="0"/>
-              </a:ext>
-            </a:extLst>
-          </a:blip>
-          <a:srcRect t="9915" b="9915"/>
-          <a:stretch>
-            <a:fillRect/>
-          </a:stretch>
-        </p:blipFill>
-        <p:spPr>
-          <a:xfrm rot="21338992">
-            <a:off x="1091399" y="537226"/>
-            <a:ext cx="7114367" cy="5190613"/>
-          </a:xfrm>
-        </p:spPr>
-      </p:pic>
-      <p:pic>
-        <p:nvPicPr>
           <p:cNvPr id="6" name="Immagine 5" descr="LogoGestione.png"/>
           <p:cNvPicPr>
             <a:picLocks noChangeAspect="1"/>
@@ -18458,7 +18424,7 @@
           <p:nvPr/>
         </p:nvPicPr>
         <p:blipFill>
-          <a:blip r:embed="rId3">
+          <a:blip r:embed="rId2">
             <a:extLst>
               <a:ext uri="{28A0092B-C50C-407E-A947-70E740481C1C}">
                 <a14:useLocalDpi xmlns:a14="http://schemas.microsoft.com/office/drawing/2010/main" val="0"/>
@@ -18530,6 +18496,34 @@
           </a:p>
         </p:txBody>
       </p:sp>
+      <p:pic>
+        <p:nvPicPr>
+          <p:cNvPr id="4" name="Segnaposto immagine 3" descr="GraficoBreakeven.jpg"/>
+          <p:cNvPicPr>
+            <a:picLocks noGrp="1" noChangeAspect="1"/>
+          </p:cNvPicPr>
+          <p:nvPr>
+            <p:ph type="pic" idx="1"/>
+          </p:nvPr>
+        </p:nvPicPr>
+        <p:blipFill rotWithShape="1">
+          <a:blip r:embed="rId3">
+            <a:extLst>
+              <a:ext uri="{28A0092B-C50C-407E-A947-70E740481C1C}">
+                <a14:useLocalDpi xmlns:a14="http://schemas.microsoft.com/office/drawing/2010/main" val="0"/>
+              </a:ext>
+            </a:extLst>
+          </a:blip>
+          <a:srcRect l="-533" r="-687"/>
+          <a:stretch/>
+        </p:blipFill>
+        <p:spPr>
+          <a:xfrm rot="21338992">
+            <a:off x="626999" y="602291"/>
+            <a:ext cx="7436945" cy="5082861"/>
+          </a:xfrm>
+        </p:spPr>
+      </p:pic>
     </p:spTree>
     <p:extLst>
       <p:ext uri="{BB962C8B-B14F-4D97-AF65-F5344CB8AC3E}">
